--- a/DAVIDSON COUNTY CRIME AND CITY NEIGHBORHOOD.pptx
+++ b/DAVIDSON COUNTY CRIME AND CITY NEIGHBORHOOD.pptx
@@ -3966,10 +3966,9 @@
           <a:lstStyle/>
           <a:p>
             <a:r>
-              <a:rPr lang="en-US" sz="1400" b="1"/>
+              <a:rPr lang="en-US" sz="1400" b="1" dirty="0"/>
               <a:t>CONLUSION/SUMMARY:</a:t>
             </a:r>
-            <a:endParaRPr lang="en-US" sz="1400" b="1" dirty="0"/>
           </a:p>
           <a:p>
             <a:endParaRPr lang="en-US" sz="1400" b="1" dirty="0"/>
@@ -4040,7 +4039,15 @@
             </a:r>
             <a:r>
               <a:rPr lang="en-US" sz="1400" dirty="0"/>
-              <a:t> HAD THE GREATEST SPIKE IN CRIME ON A YEAR TO YEAT BASIS WITH THE GROWTH OF THE POPULATION.</a:t>
+              <a:t> HAD THE GREATEST SPIKE IN CRIME ON A YEAR </a:t>
+            </a:r>
+            <a:r>
+              <a:rPr lang="en-US" sz="1400"/>
+              <a:t>TO YEAR </a:t>
+            </a:r>
+            <a:r>
+              <a:rPr lang="en-US" sz="1400" dirty="0"/>
+              <a:t>BASIS WITH THE GROWTH OF THE POPULATION.</a:t>
             </a:r>
           </a:p>
           <a:p>

--- a/DAVIDSON COUNTY CRIME AND CITY NEIGHBORHOOD.pptx
+++ b/DAVIDSON COUNTY CRIME AND CITY NEIGHBORHOOD.pptx
@@ -4039,15 +4039,7 @@
             </a:r>
             <a:r>
               <a:rPr lang="en-US" sz="1400" dirty="0"/>
-              <a:t> HAD THE GREATEST SPIKE IN CRIME ON A YEAR </a:t>
-            </a:r>
-            <a:r>
-              <a:rPr lang="en-US" sz="1400"/>
-              <a:t>TO YEAR </a:t>
-            </a:r>
-            <a:r>
-              <a:rPr lang="en-US" sz="1400" dirty="0"/>
-              <a:t>BASIS WITH THE GROWTH OF THE POPULATION.</a:t>
+              <a:t> HAD THE GREATEST SPIKE IN CRIME ON A YEAR TO YEAR BASIS WITH THE GROWTH OF THE POPULATION.</a:t>
             </a:r>
           </a:p>
           <a:p>
@@ -4186,7 +4178,7 @@
           <a:p>
             <a:r>
               <a:rPr lang="en-US" sz="1400" b="1" u="sng" dirty="0"/>
-              <a:t>LOWEST POLICE INCIDENT (CRIME)</a:t>
+              <a:t>LOWEST POLICE INCIDENTS (CRIME) CITY/NEIGHBORHOOD AREA</a:t>
             </a:r>
           </a:p>
           <a:p>
